--- a/slides/big_data/1.2_Introduction_to_Big_Data.pptx
+++ b/slides/big_data/1.2_Introduction_to_Big_Data.pptx
@@ -222,7 +222,7 @@
           <a:p>
             <a:fld id="{4701986F-2A69-6944-A5AA-E18175DD8AD7}" type="datetimeFigureOut">
               <a:rPr lang="en-US" smtClean="0"/>
-              <a:t>5/3/22</a:t>
+              <a:t>9/18/23</a:t>
             </a:fld>
             <a:endParaRPr lang="en-US"/>
           </a:p>
@@ -7122,9 +7122,14 @@
           <a:lstStyle/>
           <a:p>
             <a:r>
-              <a:rPr lang="en-US"/>
-              <a:t>Mahmoud (Max) Parsian</a:t>
-            </a:r>
+              <a:rPr lang="en-US" dirty="0"/>
+              <a:t>Mahmoud </a:t>
+            </a:r>
+            <a:r>
+              <a:rPr lang="en-US" dirty="0" err="1"/>
+              <a:t>Parsian</a:t>
+            </a:r>
+            <a:endParaRPr lang="en-US" dirty="0"/>
           </a:p>
           <a:p>
             <a:r>
